--- a/Predictive Model for Customer Product Purchase.pptx
+++ b/Predictive Model for Customer Product Purchase.pptx
@@ -109,6 +109,11 @@
       </a:defRPr>
     </a:lvl9pPr>
   </p:defaultTextStyle>
+  <p:extLst>
+    <p:ext uri="{EFAFB233-063F-42B5-8137-9DF3F51BA10A}">
+      <p15:sldGuideLst xmlns:p15="http://schemas.microsoft.com/office/powerpoint/2012/main"/>
+    </p:ext>
+  </p:extLst>
 </p:presentation>
 </file>
 
@@ -7144,7 +7149,7 @@
         </p:spPr>
         <p:txBody>
           <a:bodyPr>
-            <a:normAutofit fontScale="92500" lnSpcReduction="10000"/>
+            <a:normAutofit lnSpcReduction="10000"/>
           </a:bodyPr>
           <a:lstStyle/>
           <a:p>
@@ -7156,7 +7161,7 @@
           <a:p>
             <a:r>
               <a:rPr lang="en-US" dirty="0"/>
-              <a:t>This method essentially works like a complicated and automated if-else statements to divided data into meaningful combinations and eventually turn them into scores.</a:t>
+              <a:t>This method essentially works like a complicated multiple if-else statements to divided data into meaningful combinations and eventually turn them into scores.</a:t>
             </a:r>
           </a:p>
           <a:p>
@@ -7369,7 +7374,7 @@
           <a:p>
             <a:r>
               <a:rPr lang="en-US" dirty="0"/>
-              <a:t>Based the plot, following features are important to consider month, job, call duration, type of contact, age, has credit in default, has house loan, socio-economic contributions and marital status.</a:t>
+              <a:t>Based the plot, following features are important to consider: month, job, call duration, type of contact, age, has credit in default, has house or personal loans, socio-economic contributions and marital status.</a:t>
             </a:r>
             <a:endParaRPr lang="en-CA" dirty="0"/>
           </a:p>
@@ -7500,7 +7505,7 @@
         <p:spPr/>
         <p:txBody>
           <a:bodyPr>
-            <a:normAutofit fontScale="85000" lnSpcReduction="10000"/>
+            <a:normAutofit fontScale="85000" lnSpcReduction="20000"/>
           </a:bodyPr>
           <a:lstStyle/>
           <a:p>
@@ -7534,7 +7539,15 @@
             <a:pPr lvl="1"/>
             <a:r>
               <a:rPr lang="en-CA" dirty="0"/>
-              <a:t>Customers who have house loans and have not been defaulted on other credits will more-likely purchase a product</a:t>
+              <a:t>Customers </a:t>
+            </a:r>
+            <a:r>
+              <a:rPr lang="en-CA"/>
+              <a:t>who don’t have house loans and/or have personal loans and/or </a:t>
+            </a:r>
+            <a:r>
+              <a:rPr lang="en-CA" dirty="0"/>
+              <a:t>have not been defaulted on other credits will more-likely purchase a product</a:t>
             </a:r>
           </a:p>
           <a:p>
@@ -7582,7 +7595,7 @@
             </a:r>
             <a:r>
               <a:rPr lang="en-CA" dirty="0"/>
-              <a:t>) and those who have lower consumer price index (probably more in need of products to boost up their consumption)</a:t>
+              <a:t>) and those who have lower consumer price index (probably more in need of banking products to boost up their consumption)</a:t>
             </a:r>
           </a:p>
         </p:txBody>
